--- a/web/b24/1 Bachelor Contract .pptx
+++ b/web/b24/1 Bachelor Contract .pptx
@@ -2,35 +2,35 @@
 <file path=ppt/presentation.xml><?xml version="1.0" encoding="utf-8"?>
 <p:presentation xmlns:a="http://schemas.openxmlformats.org/drawingml/2006/main" xmlns:r="http://schemas.openxmlformats.org/officeDocument/2006/relationships" xmlns:p="http://schemas.openxmlformats.org/presentationml/2006/main" showSpecialPlsOnTitleSld="0" saveSubsetFonts="1" autoCompressPictures="0">
   <p:sldMasterIdLst>
-    <p:sldMasterId id="2147483648" r:id="rId1"/>
+    <p:sldMasterId id="2147483648" r:id="rId4"/>
   </p:sldMasterIdLst>
   <p:notesMasterIdLst>
-    <p:notesMasterId r:id="rId22"/>
+    <p:notesMasterId r:id="rId25"/>
   </p:notesMasterIdLst>
   <p:handoutMasterIdLst>
-    <p:handoutMasterId r:id="rId23"/>
+    <p:handoutMasterId r:id="rId26"/>
   </p:handoutMasterIdLst>
   <p:sldIdLst>
-    <p:sldId id="375" r:id="rId2"/>
-    <p:sldId id="423" r:id="rId3"/>
-    <p:sldId id="410" r:id="rId4"/>
-    <p:sldId id="426" r:id="rId5"/>
-    <p:sldId id="412" r:id="rId6"/>
-    <p:sldId id="413" r:id="rId7"/>
-    <p:sldId id="414" r:id="rId8"/>
-    <p:sldId id="411" r:id="rId9"/>
-    <p:sldId id="416" r:id="rId10"/>
-    <p:sldId id="418" r:id="rId11"/>
-    <p:sldId id="419" r:id="rId12"/>
-    <p:sldId id="420" r:id="rId13"/>
-    <p:sldId id="417" r:id="rId14"/>
-    <p:sldId id="421" r:id="rId15"/>
-    <p:sldId id="424" r:id="rId16"/>
-    <p:sldId id="425" r:id="rId17"/>
-    <p:sldId id="406" r:id="rId18"/>
-    <p:sldId id="409" r:id="rId19"/>
-    <p:sldId id="427" r:id="rId20"/>
-    <p:sldId id="334" r:id="rId21"/>
+    <p:sldId id="375" r:id="rId5"/>
+    <p:sldId id="423" r:id="rId6"/>
+    <p:sldId id="410" r:id="rId7"/>
+    <p:sldId id="426" r:id="rId8"/>
+    <p:sldId id="412" r:id="rId9"/>
+    <p:sldId id="413" r:id="rId10"/>
+    <p:sldId id="414" r:id="rId11"/>
+    <p:sldId id="411" r:id="rId12"/>
+    <p:sldId id="416" r:id="rId13"/>
+    <p:sldId id="418" r:id="rId14"/>
+    <p:sldId id="419" r:id="rId15"/>
+    <p:sldId id="420" r:id="rId16"/>
+    <p:sldId id="417" r:id="rId17"/>
+    <p:sldId id="421" r:id="rId18"/>
+    <p:sldId id="424" r:id="rId19"/>
+    <p:sldId id="425" r:id="rId20"/>
+    <p:sldId id="406" r:id="rId21"/>
+    <p:sldId id="409" r:id="rId22"/>
+    <p:sldId id="427" r:id="rId23"/>
+    <p:sldId id="334" r:id="rId24"/>
   </p:sldIdLst>
   <p:sldSz cx="9144000" cy="6858000" type="screen4x3"/>
   <p:notesSz cx="7099300" cy="10234613"/>
@@ -8965,19 +8965,11 @@
             </a:r>
             <a:r>
               <a:rPr lang="en-GB" altLang="da-DK" sz="1600" spc="-20" dirty="0" smtClean="0"/>
-              <a:t> that a "stupid", </a:t>
-            </a:r>
-            <a:r>
-              <a:rPr lang="en-GB" altLang="da-DK" sz="1600" spc="-20" dirty="0" smtClean="0"/>
-              <a:t>"</a:t>
+              <a:t> that a "stupid", "</a:t>
             </a:r>
             <a:r>
               <a:rPr lang="en-GB" altLang="da-DK" sz="1600" spc="-50" dirty="0" smtClean="0"/>
-              <a:t>too </a:t>
-            </a:r>
-            <a:r>
-              <a:rPr lang="en-GB" altLang="da-DK" sz="1600" spc="-50" dirty="0" smtClean="0"/>
-              <a:t>fast" reader may misunderstand your argument</a:t>
+              <a:t>too fast" reader may misunderstand your argument</a:t>
             </a:r>
           </a:p>
           <a:p>
@@ -9266,7 +9258,7 @@
               <a:buChar char="•"/>
             </a:pPr>
             <a:r>
-              <a:rPr lang="en-GB" altLang="da-DK" sz="1800" b="1" spc="-50" dirty="0" smtClean="0">
+              <a:rPr lang="en-GB" altLang="da-DK" sz="1800" b="1" spc="-50" dirty="0">
                 <a:solidFill>
                   <a:srgbClr val="A50021"/>
                 </a:solidFill>
@@ -9284,31 +9276,13 @@
               <a:t>February </a:t>
             </a:r>
             <a:r>
-              <a:rPr lang="en-GB" altLang="da-DK" sz="1800" b="1" spc="-50" dirty="0" smtClean="0">
-                <a:solidFill>
-                  <a:srgbClr val="A50021"/>
-                </a:solidFill>
-                <a:cs typeface="ＭＳ Ｐゴシック" charset="0"/>
-              </a:rPr>
-              <a:t>10: </a:t>
-            </a:r>
-            <a:r>
               <a:rPr lang="en-GB" altLang="da-DK" sz="1800" b="1" spc="-50" dirty="0">
                 <a:solidFill>
                   <a:srgbClr val="A50021"/>
                 </a:solidFill>
                 <a:cs typeface="ＭＳ Ｐゴシック" charset="0"/>
               </a:rPr>
-              <a:t>Deadline for first version of </a:t>
-            </a:r>
-            <a:r>
-              <a:rPr lang="en-GB" altLang="da-DK" sz="1800" b="1" spc="-50" dirty="0" smtClean="0">
-                <a:solidFill>
-                  <a:srgbClr val="A50021"/>
-                </a:solidFill>
-                <a:cs typeface="ＭＳ Ｐゴシック" charset="0"/>
-              </a:rPr>
-              <a:t>bachelor project contract</a:t>
+              <a:t>12: Deadline bachelor project contract</a:t>
             </a:r>
             <a:endParaRPr lang="en-GB" altLang="da-DK" sz="1800" b="1" spc="-50" dirty="0">
               <a:solidFill>
@@ -9569,7 +9543,7 @@
                 </a:solidFill>
                 <a:cs typeface="ＭＳ Ｐゴシック" charset="0"/>
               </a:rPr>
-              <a:t>June 8</a:t>
+              <a:t>June </a:t>
             </a:r>
             <a:r>
               <a:rPr lang="en-GB" altLang="da-DK" sz="1800" b="1" dirty="0" smtClean="0">
@@ -9578,7 +9552,7 @@
                 </a:solidFill>
                 <a:cs typeface="ＭＳ Ｐゴシック" charset="0"/>
               </a:rPr>
-              <a:t> </a:t>
+              <a:t>10 </a:t>
             </a:r>
             <a:r>
               <a:rPr lang="en-GB" altLang="da-DK" sz="1800" b="1" dirty="0">
@@ -9587,7 +9561,25 @@
                 </a:solidFill>
                 <a:cs typeface="ＭＳ Ｐゴシック" charset="0"/>
               </a:rPr>
-              <a:t>at 12 noon: Deadline for bachelor report</a:t>
+              <a:t>at </a:t>
+            </a:r>
+            <a:r>
+              <a:rPr lang="en-GB" altLang="da-DK" sz="1800" b="1" dirty="0" smtClean="0">
+                <a:solidFill>
+                  <a:srgbClr val="A50021"/>
+                </a:solidFill>
+                <a:cs typeface="ＭＳ Ｐゴシック" charset="0"/>
+              </a:rPr>
+              <a:t>13.00: </a:t>
+            </a:r>
+            <a:r>
+              <a:rPr lang="en-GB" altLang="da-DK" sz="1800" b="1" dirty="0">
+                <a:solidFill>
+                  <a:srgbClr val="A50021"/>
+                </a:solidFill>
+                <a:cs typeface="ＭＳ Ｐゴシック" charset="0"/>
+              </a:rPr>
+              <a:t>Deadline for bachelor report</a:t>
             </a:r>
           </a:p>
           <a:p>
@@ -10188,7 +10180,25 @@
                 </a:solidFill>
                 <a:cs typeface="ＭＳ Ｐゴシック" charset="0"/>
               </a:rPr>
-              <a:t>From 15.15 to 16.00 representatives from each research groups will meet with their students to make practical arrangements etc. </a:t>
+              <a:t>From </a:t>
+            </a:r>
+            <a:r>
+              <a:rPr lang="en-US" sz="1800" b="1" dirty="0" smtClean="0">
+                <a:solidFill>
+                  <a:srgbClr val="A50021"/>
+                </a:solidFill>
+                <a:cs typeface="ＭＳ Ｐゴシック" charset="0"/>
+              </a:rPr>
+              <a:t>9.15 </a:t>
+            </a:r>
+            <a:r>
+              <a:rPr lang="en-US" sz="1800" b="1" dirty="0">
+                <a:solidFill>
+                  <a:srgbClr val="A50021"/>
+                </a:solidFill>
+                <a:cs typeface="ＭＳ Ｐゴシック" charset="0"/>
+              </a:rPr>
+              <a:t>to 16.00 representatives from each research groups will meet with their students to make practical arrangements etc. </a:t>
             </a:r>
           </a:p>
           <a:p>
@@ -10279,7 +10289,15 @@
             </a:pPr>
             <a:r>
               <a:rPr lang="en-US" sz="1600" b="1" dirty="0"/>
-              <a:t>Computational Complexity and Game Theory: 5335-295 Nygaard Meeting </a:t>
+              <a:t>Computational Complexity and Game Theory: </a:t>
+            </a:r>
+            <a:r>
+              <a:rPr lang="en-US" sz="1600" b="1" dirty="0" smtClean="0"/>
+              <a:t>5335-297 </a:t>
+            </a:r>
+            <a:r>
+              <a:rPr lang="en-US" sz="1600" b="1" dirty="0"/>
+              <a:t>Nygaard Meeting </a:t>
             </a:r>
             <a:r>
               <a:rPr lang="en-US" sz="1600" b="1" dirty="0" smtClean="0"/>
@@ -10339,7 +10357,15 @@
             </a:pPr>
             <a:r>
               <a:rPr lang="en-US" sz="1600" b="1" dirty="0"/>
-              <a:t>Data-Intensive Systems: 5335-297 Nygaard Meeting </a:t>
+              <a:t>Data-Intensive Systems: </a:t>
+            </a:r>
+            <a:r>
+              <a:rPr lang="en-US" sz="1600" b="1" dirty="0" smtClean="0"/>
+              <a:t>5335-295 </a:t>
+            </a:r>
+            <a:r>
+              <a:rPr lang="en-US" sz="1600" b="1" dirty="0"/>
+              <a:t>Nygaard Meeting </a:t>
             </a:r>
             <a:r>
               <a:rPr lang="en-US" sz="1600" b="1" dirty="0" smtClean="0"/>
@@ -10355,11 +10381,11 @@
             </a:pPr>
             <a:r>
               <a:rPr lang="en-US" sz="1600" b="1" dirty="0"/>
-              <a:t>Logic and Semantics &amp; Programming Languages: Turing-030 Meeting </a:t>
-            </a:r>
-            <a:r>
-              <a:rPr lang="en-US" sz="1600" b="1" dirty="0" smtClean="0"/>
-              <a:t>Room</a:t>
+              <a:t>Logic and Semantics &amp; Programming Languages: </a:t>
+            </a:r>
+            <a:r>
+              <a:rPr lang="en-US" sz="1600" b="1" dirty="0"/>
+              <a:t>5342-333 Ada Meeting Room</a:t>
             </a:r>
             <a:endParaRPr lang="en-US" sz="1600" b="1" dirty="0"/>
           </a:p>
@@ -11271,7 +11297,7 @@
         </p:nvSpPr>
         <p:spPr>
           <a:xfrm>
-            <a:off x="476697" y="952974"/>
+            <a:off x="468313" y="1052736"/>
             <a:ext cx="8496175" cy="5905026"/>
           </a:xfrm>
           <a:noFill/>
@@ -11323,7 +11349,7 @@
           <a:p>
             <a:pPr marL="271463" lvl="1" indent="-271463">
               <a:spcBef>
-                <a:spcPts val="600"/>
+                <a:spcPts val="1200"/>
               </a:spcBef>
               <a:buChar char="•"/>
             </a:pPr>
@@ -11378,8 +11404,16 @@
               </a:spcBef>
             </a:pPr>
             <a:r>
-              <a:rPr lang="en-GB" altLang="da-DK" sz="1600" dirty="0"/>
-              <a:t>adjust expectations between individual group members and between the group and the advisor</a:t>
+              <a:rPr lang="en-GB" altLang="da-DK" sz="1600" spc="-50" dirty="0"/>
+              <a:t>adjust expectations between </a:t>
+            </a:r>
+            <a:r>
+              <a:rPr lang="en-GB" altLang="da-DK" sz="1600" spc="-50" dirty="0" smtClean="0"/>
+              <a:t>the </a:t>
+            </a:r>
+            <a:r>
+              <a:rPr lang="en-GB" altLang="da-DK" sz="1600" spc="-50" dirty="0"/>
+              <a:t>group members and between the group and the advisor</a:t>
             </a:r>
           </a:p>
           <a:p>
@@ -11404,7 +11438,7 @@
           <a:p>
             <a:pPr marL="271463" lvl="1" indent="-271463">
               <a:spcBef>
-                <a:spcPts val="600"/>
+                <a:spcPts val="1200"/>
               </a:spcBef>
               <a:buChar char="•"/>
             </a:pPr>
@@ -11443,7 +11477,7 @@
           <a:p>
             <a:pPr marL="271463" lvl="1" indent="-271463">
               <a:spcBef>
-                <a:spcPts val="600"/>
+                <a:spcPts val="1200"/>
               </a:spcBef>
               <a:buChar char="•"/>
             </a:pPr>
@@ -11516,41 +11550,6 @@
             <a:r>
               <a:rPr lang="en-GB" altLang="da-DK" sz="1600" dirty="0" smtClean="0"/>
               <a:t>A time plan describing when the different work tasks should be finished</a:t>
-            </a:r>
-          </a:p>
-          <a:p>
-            <a:pPr marL="271463" lvl="1" indent="-271463">
-              <a:spcBef>
-                <a:spcPts val="600"/>
-              </a:spcBef>
-              <a:buChar char="•"/>
-            </a:pPr>
-            <a:r>
-              <a:rPr lang="en-GB" altLang="da-DK" sz="1800" b="1" spc="-60" dirty="0">
-                <a:solidFill>
-                  <a:srgbClr val="A50021"/>
-                </a:solidFill>
-                <a:cs typeface="ＭＳ Ｐゴシック" charset="0"/>
-              </a:rPr>
-              <a:t>The contract should be </a:t>
-            </a:r>
-            <a:r>
-              <a:rPr lang="en-GB" altLang="da-DK" sz="1800" b="1" spc="-60" dirty="0">
-                <a:solidFill>
-                  <a:srgbClr val="008000"/>
-                </a:solidFill>
-                <a:cs typeface="ＭＳ Ｐゴシック" charset="0"/>
-              </a:rPr>
-              <a:t>updated</a:t>
-            </a:r>
-            <a:r>
-              <a:rPr lang="en-GB" altLang="da-DK" sz="1800" b="1" spc="-60" dirty="0">
-                <a:solidFill>
-                  <a:srgbClr val="A50021"/>
-                </a:solidFill>
-                <a:cs typeface="ＭＳ Ｐゴシック" charset="0"/>
-              </a:rPr>
-              <a:t> with regular intervals during your project</a:t>
             </a:r>
           </a:p>
           <a:p>
@@ -11774,7 +11773,15 @@
                   <a:srgbClr val="008000"/>
                 </a:solidFill>
               </a:rPr>
-              <a:t>Thursday February 10 at 16.00</a:t>
+              <a:t>Monday 12 </a:t>
+            </a:r>
+            <a:r>
+              <a:rPr lang="en-GB" altLang="da-DK" sz="1600" b="1" dirty="0" smtClean="0">
+                <a:solidFill>
+                  <a:srgbClr val="008000"/>
+                </a:solidFill>
+              </a:rPr>
+              <a:t>at 16.00</a:t>
             </a:r>
           </a:p>
           <a:p>
@@ -11835,21 +11842,89 @@
             </a:r>
             <a:r>
               <a:rPr lang="en-US" altLang="da-DK" sz="1600" dirty="0" smtClean="0"/>
-              <a:t>this lecture</a:t>
-            </a:r>
-          </a:p>
-          <a:p>
-            <a:pPr marL="728663" lvl="1" indent="-271463">
-              <a:spcBef>
-                <a:spcPts val="300"/>
-              </a:spcBef>
-            </a:pPr>
+              <a:t>this </a:t>
+            </a:r>
+            <a:r>
+              <a:rPr lang="en-US" altLang="da-DK" sz="1600" dirty="0" smtClean="0"/>
+              <a:t>lecture</a:t>
+            </a:r>
+          </a:p>
+          <a:p>
+            <a:pPr marL="271463" lvl="1" indent="-271463">
+              <a:spcBef>
+                <a:spcPts val="1800"/>
+              </a:spcBef>
+              <a:buChar char="•"/>
+            </a:pPr>
+            <a:r>
+              <a:rPr lang="en-GB" altLang="da-DK" sz="1800" b="1" dirty="0" smtClean="0">
+                <a:solidFill>
+                  <a:srgbClr val="A50021"/>
+                </a:solidFill>
+                <a:cs typeface="ＭＳ Ｐゴシック" charset="0"/>
+              </a:rPr>
+              <a:t>It is recommended </a:t>
+            </a:r>
+            <a:r>
+              <a:rPr lang="en-GB" altLang="da-DK" sz="1800" b="1" dirty="0">
+                <a:solidFill>
+                  <a:srgbClr val="A50021"/>
+                </a:solidFill>
+                <a:cs typeface="ＭＳ Ｐゴシック" charset="0"/>
+              </a:rPr>
+              <a:t>to </a:t>
+            </a:r>
+            <a:r>
+              <a:rPr lang="en-GB" altLang="da-DK" sz="1800" b="1" dirty="0">
+                <a:solidFill>
+                  <a:srgbClr val="008000"/>
+                </a:solidFill>
+                <a:cs typeface="ＭＳ Ｐゴシック" charset="0"/>
+              </a:rPr>
+              <a:t>update</a:t>
+            </a:r>
+            <a:r>
+              <a:rPr lang="en-GB" altLang="da-DK" sz="1800" b="1" dirty="0">
+                <a:solidFill>
+                  <a:srgbClr val="A50021"/>
+                </a:solidFill>
+                <a:cs typeface="ＭＳ Ｐゴシック" charset="0"/>
+              </a:rPr>
+              <a:t> the contract with regular intervals during your project</a:t>
+            </a:r>
+          </a:p>
+          <a:p>
+            <a:pPr marL="728663" lvl="1" indent="-271463">
+              <a:spcBef>
+                <a:spcPts val="300"/>
+              </a:spcBef>
+            </a:pPr>
+            <a:r>
+              <a:rPr lang="en-GB" altLang="da-DK" sz="1600" dirty="0"/>
+              <a:t>But you do </a:t>
+            </a:r>
+            <a:r>
+              <a:rPr lang="en-GB" altLang="da-DK" sz="1600" b="1" dirty="0">
+                <a:solidFill>
+                  <a:srgbClr val="008000"/>
+                </a:solidFill>
+              </a:rPr>
+              <a:t>not</a:t>
+            </a:r>
+            <a:r>
+              <a:rPr lang="en-GB" altLang="da-DK" sz="1600" dirty="0"/>
+              <a:t> need to submit the revised </a:t>
+            </a:r>
+            <a:r>
+              <a:rPr lang="en-GB" altLang="da-DK" sz="1600" dirty="0" smtClean="0"/>
+              <a:t>versions to the study administration</a:t>
+            </a:r>
             <a:endParaRPr lang="en-US" altLang="da-DK" sz="1600" dirty="0"/>
           </a:p>
           <a:p>
             <a:pPr marL="271463" lvl="1" indent="-271463">
               <a:spcBef>
-                <a:spcPts val="1200"/>
+                <a:spcPts val="1800"/>
               </a:spcBef>
               <a:buChar char="•"/>
             </a:pPr>
@@ -11905,16 +11980,7 @@
                 </a:solidFill>
                 <a:cs typeface="ＭＳ Ｐゴシック" charset="0"/>
               </a:rPr>
-              <a:t> </a:t>
-            </a:r>
-            <a:r>
-              <a:rPr lang="en-GB" altLang="da-DK" sz="1800" b="1" dirty="0" smtClean="0">
-                <a:solidFill>
-                  <a:srgbClr val="A50021"/>
-                </a:solidFill>
-                <a:cs typeface="ＭＳ Ｐゴシック" charset="0"/>
-              </a:rPr>
-              <a:t>together </a:t>
+              <a:t> together </a:t>
             </a:r>
             <a:r>
               <a:rPr lang="en-GB" altLang="da-DK" sz="1800" b="1" dirty="0">
@@ -15092,4 +15158,298 @@
   </a:objectDefaults>
   <a:extraClrSchemeLst/>
 </a:theme>
+</file>
+
+<file path=customXml/item1.xml><?xml version="1.0" encoding="utf-8"?>
+<ct:contentTypeSchema xmlns:ct="http://schemas.microsoft.com/office/2006/metadata/contentType" xmlns:ma="http://schemas.microsoft.com/office/2006/metadata/properties/metaAttributes" ct:_="" ma:_="" ma:contentTypeName="Dokument" ma:contentTypeID="0x01010056836BC33D1E5846BD77C269C61838DB" ma:contentTypeVersion="15" ma:contentTypeDescription="Opret et nyt dokument." ma:contentTypeScope="" ma:versionID="312142c121a79ad47b84fd5eef3bff82">
+  <xsd:schema xmlns:xsd="http://www.w3.org/2001/XMLSchema" xmlns:xs="http://www.w3.org/2001/XMLSchema" xmlns:p="http://schemas.microsoft.com/office/2006/metadata/properties" xmlns:ns3="f659a008-7c21-4ee3-a745-e38581e13101" xmlns:ns4="e064323b-8959-406a-a3e9-bb6e93638192" targetNamespace="http://schemas.microsoft.com/office/2006/metadata/properties" ma:root="true" ma:fieldsID="d8b41bb9140ab12135cf079bb511cb4a" ns3:_="" ns4:_="">
+    <xsd:import namespace="f659a008-7c21-4ee3-a745-e38581e13101"/>
+    <xsd:import namespace="e064323b-8959-406a-a3e9-bb6e93638192"/>
+    <xsd:element name="properties">
+      <xsd:complexType>
+        <xsd:sequence>
+          <xsd:element name="documentManagement">
+            <xsd:complexType>
+              <xsd:all>
+                <xsd:element ref="ns3:MediaServiceMetadata" minOccurs="0"/>
+                <xsd:element ref="ns3:MediaServiceFastMetadata" minOccurs="0"/>
+                <xsd:element ref="ns3:MediaServiceDateTaken" minOccurs="0"/>
+                <xsd:element ref="ns3:MediaLengthInSeconds" minOccurs="0"/>
+                <xsd:element ref="ns4:SharedWithUsers" minOccurs="0"/>
+                <xsd:element ref="ns4:SharedWithDetails" minOccurs="0"/>
+                <xsd:element ref="ns4:SharingHintHash" minOccurs="0"/>
+                <xsd:element ref="ns3:MediaServiceAutoTags" minOccurs="0"/>
+                <xsd:element ref="ns3:_activity" minOccurs="0"/>
+                <xsd:element ref="ns3:MediaServiceObjectDetectorVersions" minOccurs="0"/>
+                <xsd:element ref="ns3:MediaServiceGenerationTime" minOccurs="0"/>
+                <xsd:element ref="ns3:MediaServiceEventHashCode" minOccurs="0"/>
+                <xsd:element ref="ns3:MediaServiceSystemTags" minOccurs="0"/>
+                <xsd:element ref="ns3:MediaServiceLocation" minOccurs="0"/>
+                <xsd:element ref="ns3:MediaServiceOCR" minOccurs="0"/>
+              </xsd:all>
+            </xsd:complexType>
+          </xsd:element>
+        </xsd:sequence>
+      </xsd:complexType>
+    </xsd:element>
+  </xsd:schema>
+  <xsd:schema xmlns:xsd="http://www.w3.org/2001/XMLSchema" xmlns:xs="http://www.w3.org/2001/XMLSchema" xmlns:dms="http://schemas.microsoft.com/office/2006/documentManagement/types" xmlns:pc="http://schemas.microsoft.com/office/infopath/2007/PartnerControls" targetNamespace="f659a008-7c21-4ee3-a745-e38581e13101" elementFormDefault="qualified">
+    <xsd:import namespace="http://schemas.microsoft.com/office/2006/documentManagement/types"/>
+    <xsd:import namespace="http://schemas.microsoft.com/office/infopath/2007/PartnerControls"/>
+    <xsd:element name="MediaServiceMetadata" ma:index="8" nillable="true" ma:displayName="MediaServiceMetadata" ma:hidden="true" ma:internalName="MediaServiceMetadata" ma:readOnly="true">
+      <xsd:simpleType>
+        <xsd:restriction base="dms:Note"/>
+      </xsd:simpleType>
+    </xsd:element>
+    <xsd:element name="MediaServiceFastMetadata" ma:index="9" nillable="true" ma:displayName="MediaServiceFastMetadata" ma:hidden="true" ma:internalName="MediaServiceFastMetadata" ma:readOnly="true">
+      <xsd:simpleType>
+        <xsd:restriction base="dms:Note"/>
+      </xsd:simpleType>
+    </xsd:element>
+    <xsd:element name="MediaServiceDateTaken" ma:index="10" nillable="true" ma:displayName="MediaServiceDateTaken" ma:hidden="true" ma:internalName="MediaServiceDateTaken" ma:readOnly="true">
+      <xsd:simpleType>
+        <xsd:restriction base="dms:Text"/>
+      </xsd:simpleType>
+    </xsd:element>
+    <xsd:element name="MediaLengthInSeconds" ma:index="11" nillable="true" ma:displayName="MediaLengthInSeconds" ma:hidden="true" ma:internalName="MediaLengthInSeconds" ma:readOnly="true">
+      <xsd:simpleType>
+        <xsd:restriction base="dms:Unknown"/>
+      </xsd:simpleType>
+    </xsd:element>
+    <xsd:element name="MediaServiceAutoTags" ma:index="15" nillable="true" ma:displayName="Tags" ma:internalName="MediaServiceAutoTags" ma:readOnly="true">
+      <xsd:simpleType>
+        <xsd:restriction base="dms:Text"/>
+      </xsd:simpleType>
+    </xsd:element>
+    <xsd:element name="_activity" ma:index="16" nillable="true" ma:displayName="_activity" ma:hidden="true" ma:internalName="_activity">
+      <xsd:simpleType>
+        <xsd:restriction base="dms:Note"/>
+      </xsd:simpleType>
+    </xsd:element>
+    <xsd:element name="MediaServiceObjectDetectorVersions" ma:index="17" nillable="true" ma:displayName="MediaServiceObjectDetectorVersions" ma:hidden="true" ma:indexed="true" ma:internalName="MediaServiceObjectDetectorVersions" ma:readOnly="true">
+      <xsd:simpleType>
+        <xsd:restriction base="dms:Text"/>
+      </xsd:simpleType>
+    </xsd:element>
+    <xsd:element name="MediaServiceGenerationTime" ma:index="18" nillable="true" ma:displayName="MediaServiceGenerationTime" ma:hidden="true" ma:internalName="MediaServiceGenerationTime" ma:readOnly="true">
+      <xsd:simpleType>
+        <xsd:restriction base="dms:Text"/>
+      </xsd:simpleType>
+    </xsd:element>
+    <xsd:element name="MediaServiceEventHashCode" ma:index="19" nillable="true" ma:displayName="MediaServiceEventHashCode" ma:hidden="true" ma:internalName="MediaServiceEventHashCode" ma:readOnly="true">
+      <xsd:simpleType>
+        <xsd:restriction base="dms:Text"/>
+      </xsd:simpleType>
+    </xsd:element>
+    <xsd:element name="MediaServiceSystemTags" ma:index="20" nillable="true" ma:displayName="MediaServiceSystemTags" ma:hidden="true" ma:internalName="MediaServiceSystemTags" ma:readOnly="true">
+      <xsd:simpleType>
+        <xsd:restriction base="dms:Note"/>
+      </xsd:simpleType>
+    </xsd:element>
+    <xsd:element name="MediaServiceLocation" ma:index="21" nillable="true" ma:displayName="Location" ma:indexed="true" ma:internalName="MediaServiceLocation" ma:readOnly="true">
+      <xsd:simpleType>
+        <xsd:restriction base="dms:Text"/>
+      </xsd:simpleType>
+    </xsd:element>
+    <xsd:element name="MediaServiceOCR" ma:index="22" nillable="true" ma:displayName="Extracted Text" ma:internalName="MediaServiceOCR" ma:readOnly="true">
+      <xsd:simpleType>
+        <xsd:restriction base="dms:Note">
+          <xsd:maxLength value="255"/>
+        </xsd:restriction>
+      </xsd:simpleType>
+    </xsd:element>
+  </xsd:schema>
+  <xsd:schema xmlns:xsd="http://www.w3.org/2001/XMLSchema" xmlns:xs="http://www.w3.org/2001/XMLSchema" xmlns:dms="http://schemas.microsoft.com/office/2006/documentManagement/types" xmlns:pc="http://schemas.microsoft.com/office/infopath/2007/PartnerControls" targetNamespace="e064323b-8959-406a-a3e9-bb6e93638192" elementFormDefault="qualified">
+    <xsd:import namespace="http://schemas.microsoft.com/office/2006/documentManagement/types"/>
+    <xsd:import namespace="http://schemas.microsoft.com/office/infopath/2007/PartnerControls"/>
+    <xsd:element name="SharedWithUsers" ma:index="12" nillable="true" ma:displayName="Delt med" ma:internalName="SharedWithUsers" ma:readOnly="true">
+      <xsd:complexType>
+        <xsd:complexContent>
+          <xsd:extension base="dms:UserMulti">
+            <xsd:sequence>
+              <xsd:element name="UserInfo" minOccurs="0" maxOccurs="unbounded">
+                <xsd:complexType>
+                  <xsd:sequence>
+                    <xsd:element name="DisplayName" type="xsd:string" minOccurs="0"/>
+                    <xsd:element name="AccountId" type="dms:UserId" minOccurs="0" nillable="true"/>
+                    <xsd:element name="AccountType" type="xsd:string" minOccurs="0"/>
+                  </xsd:sequence>
+                </xsd:complexType>
+              </xsd:element>
+            </xsd:sequence>
+          </xsd:extension>
+        </xsd:complexContent>
+      </xsd:complexType>
+    </xsd:element>
+    <xsd:element name="SharedWithDetails" ma:index="13" nillable="true" ma:displayName="Delt med detaljer" ma:internalName="SharedWithDetails" ma:readOnly="true">
+      <xsd:simpleType>
+        <xsd:restriction base="dms:Note">
+          <xsd:maxLength value="255"/>
+        </xsd:restriction>
+      </xsd:simpleType>
+    </xsd:element>
+    <xsd:element name="SharingHintHash" ma:index="14" nillable="true" ma:displayName="Hashværdi for deling" ma:hidden="true" ma:internalName="SharingHintHash" ma:readOnly="true">
+      <xsd:simpleType>
+        <xsd:restriction base="dms:Text"/>
+      </xsd:simpleType>
+    </xsd:element>
+  </xsd:schema>
+  <xsd:schema xmlns="http://schemas.openxmlformats.org/package/2006/metadata/core-properties" xmlns:xsd="http://www.w3.org/2001/XMLSchema" xmlns:xsi="http://www.w3.org/2001/XMLSchema-instance" xmlns:dc="http://purl.org/dc/elements/1.1/" xmlns:dcterms="http://purl.org/dc/terms/" xmlns:odoc="http://schemas.microsoft.com/internal/obd" targetNamespace="http://schemas.openxmlformats.org/package/2006/metadata/core-properties" elementFormDefault="qualified" attributeFormDefault="unqualified" blockDefault="#all">
+    <xsd:import namespace="http://purl.org/dc/elements/1.1/" schemaLocation="http://dublincore.org/schemas/xmls/qdc/2003/04/02/dc.xsd"/>
+    <xsd:import namespace="http://purl.org/dc/terms/" schemaLocation="http://dublincore.org/schemas/xmls/qdc/2003/04/02/dcterms.xsd"/>
+    <xsd:element name="coreProperties" type="CT_coreProperties"/>
+    <xsd:complexType name="CT_coreProperties">
+      <xsd:all>
+        <xsd:element ref="dc:creator" minOccurs="0" maxOccurs="1"/>
+        <xsd:element ref="dcterms:created" minOccurs="0" maxOccurs="1"/>
+        <xsd:element ref="dc:identifier" minOccurs="0" maxOccurs="1"/>
+        <xsd:element name="contentType" minOccurs="0" maxOccurs="1" type="xsd:string" ma:index="0" ma:displayName="Indholdstype"/>
+        <xsd:element ref="dc:title" minOccurs="0" maxOccurs="1" ma:index="4" ma:displayName="Titel"/>
+        <xsd:element ref="dc:subject" minOccurs="0" maxOccurs="1"/>
+        <xsd:element ref="dc:description" minOccurs="0" maxOccurs="1"/>
+        <xsd:element name="keywords" minOccurs="0" maxOccurs="1" type="xsd:string"/>
+        <xsd:element ref="dc:language" minOccurs="0" maxOccurs="1"/>
+        <xsd:element name="category" minOccurs="0" maxOccurs="1" type="xsd:string"/>
+        <xsd:element name="version" minOccurs="0" maxOccurs="1" type="xsd:string"/>
+        <xsd:element name="revision" minOccurs="0" maxOccurs="1" type="xsd:string">
+          <xsd:annotation>
+            <xsd:documentation>
+                        This value indicates the number of saves or revisions. The application is responsible for updating this value after each revision.
+                    </xsd:documentation>
+          </xsd:annotation>
+        </xsd:element>
+        <xsd:element name="lastModifiedBy" minOccurs="0" maxOccurs="1" type="xsd:string"/>
+        <xsd:element ref="dcterms:modified" minOccurs="0" maxOccurs="1"/>
+        <xsd:element name="contentStatus" minOccurs="0" maxOccurs="1" type="xsd:string"/>
+      </xsd:all>
+    </xsd:complexType>
+  </xsd:schema>
+  <xs:schema xmlns:pc="http://schemas.microsoft.com/office/infopath/2007/PartnerControls" xmlns:xs="http://www.w3.org/2001/XMLSchema" targetNamespace="http://schemas.microsoft.com/office/infopath/2007/PartnerControls" elementFormDefault="qualified" attributeFormDefault="unqualified">
+    <xs:element name="Person">
+      <xs:complexType>
+        <xs:sequence>
+          <xs:element ref="pc:DisplayName" minOccurs="0"/>
+          <xs:element ref="pc:AccountId" minOccurs="0"/>
+          <xs:element ref="pc:AccountType" minOccurs="0"/>
+        </xs:sequence>
+      </xs:complexType>
+    </xs:element>
+    <xs:element name="DisplayName" type="xs:string"/>
+    <xs:element name="AccountId" type="xs:string"/>
+    <xs:element name="AccountType" type="xs:string"/>
+    <xs:element name="BDCAssociatedEntity">
+      <xs:complexType>
+        <xs:sequence>
+          <xs:element ref="pc:BDCEntity" minOccurs="0" maxOccurs="unbounded"/>
+        </xs:sequence>
+        <xs:attribute ref="pc:EntityNamespace"/>
+        <xs:attribute ref="pc:EntityName"/>
+        <xs:attribute ref="pc:SystemInstanceName"/>
+        <xs:attribute ref="pc:AssociationName"/>
+      </xs:complexType>
+    </xs:element>
+    <xs:attribute name="EntityNamespace" type="xs:string"/>
+    <xs:attribute name="EntityName" type="xs:string"/>
+    <xs:attribute name="SystemInstanceName" type="xs:string"/>
+    <xs:attribute name="AssociationName" type="xs:string"/>
+    <xs:element name="BDCEntity">
+      <xs:complexType>
+        <xs:sequence>
+          <xs:element ref="pc:EntityDisplayName" minOccurs="0"/>
+          <xs:element ref="pc:EntityInstanceReference" minOccurs="0"/>
+          <xs:element ref="pc:EntityId1" minOccurs="0"/>
+          <xs:element ref="pc:EntityId2" minOccurs="0"/>
+          <xs:element ref="pc:EntityId3" minOccurs="0"/>
+          <xs:element ref="pc:EntityId4" minOccurs="0"/>
+          <xs:element ref="pc:EntityId5" minOccurs="0"/>
+        </xs:sequence>
+      </xs:complexType>
+    </xs:element>
+    <xs:element name="EntityDisplayName" type="xs:string"/>
+    <xs:element name="EntityInstanceReference" type="xs:string"/>
+    <xs:element name="EntityId1" type="xs:string"/>
+    <xs:element name="EntityId2" type="xs:string"/>
+    <xs:element name="EntityId3" type="xs:string"/>
+    <xs:element name="EntityId4" type="xs:string"/>
+    <xs:element name="EntityId5" type="xs:string"/>
+    <xs:element name="Terms">
+      <xs:complexType>
+        <xs:sequence>
+          <xs:element ref="pc:TermInfo" minOccurs="0" maxOccurs="unbounded"/>
+        </xs:sequence>
+      </xs:complexType>
+    </xs:element>
+    <xs:element name="TermInfo">
+      <xs:complexType>
+        <xs:sequence>
+          <xs:element ref="pc:TermName" minOccurs="0"/>
+          <xs:element ref="pc:TermId" minOccurs="0"/>
+        </xs:sequence>
+      </xs:complexType>
+    </xs:element>
+    <xs:element name="TermName" type="xs:string"/>
+    <xs:element name="TermId" type="xs:string"/>
+  </xs:schema>
+</ct:contentTypeSchema>
+</file>
+
+<file path=customXml/item2.xml><?xml version="1.0" encoding="utf-8"?>
+<?mso-contentType ?>
+<FormTemplates xmlns="http://schemas.microsoft.com/sharepoint/v3/contenttype/forms">
+  <Display>DocumentLibraryForm</Display>
+  <Edit>DocumentLibraryForm</Edit>
+  <New>DocumentLibraryForm</New>
+</FormTemplates>
+</file>
+
+<file path=customXml/item3.xml><?xml version="1.0" encoding="utf-8"?>
+<p:properties xmlns:p="http://schemas.microsoft.com/office/2006/metadata/properties" xmlns:xsi="http://www.w3.org/2001/XMLSchema-instance" xmlns:pc="http://schemas.microsoft.com/office/infopath/2007/PartnerControls">
+  <documentManagement>
+    <_activity xmlns="f659a008-7c21-4ee3-a745-e38581e13101" xsi:nil="true"/>
+  </documentManagement>
+</p:properties>
+</file>
+
+<file path=customXml/itemProps1.xml><?xml version="1.0" encoding="utf-8"?>
+<ds:datastoreItem xmlns:ds="http://schemas.openxmlformats.org/officeDocument/2006/customXml" ds:itemID="{5FA69414-AA72-43CB-94FC-7891685FAB17}">
+  <ds:schemaRefs>
+    <ds:schemaRef ds:uri="http://schemas.microsoft.com/office/2006/metadata/contentType"/>
+    <ds:schemaRef ds:uri="http://schemas.microsoft.com/office/2006/metadata/properties/metaAttributes"/>
+    <ds:schemaRef ds:uri="http://www.w3.org/2001/XMLSchema"/>
+    <ds:schemaRef ds:uri="http://schemas.microsoft.com/office/2006/metadata/properties"/>
+    <ds:schemaRef ds:uri="f659a008-7c21-4ee3-a745-e38581e13101"/>
+    <ds:schemaRef ds:uri="e064323b-8959-406a-a3e9-bb6e93638192"/>
+    <ds:schemaRef ds:uri="http://schemas.microsoft.com/office/2006/documentManagement/types"/>
+    <ds:schemaRef ds:uri="http://schemas.microsoft.com/office/infopath/2007/PartnerControls"/>
+    <ds:schemaRef ds:uri="http://schemas.openxmlformats.org/package/2006/metadata/core-properties"/>
+    <ds:schemaRef ds:uri="http://purl.org/dc/elements/1.1/"/>
+    <ds:schemaRef ds:uri="http://purl.org/dc/terms/"/>
+    <ds:schemaRef ds:uri="http://schemas.microsoft.com/internal/obd"/>
+  </ds:schemaRefs>
+</ds:datastoreItem>
+</file>
+
+<file path=customXml/itemProps2.xml><?xml version="1.0" encoding="utf-8"?>
+<ds:datastoreItem xmlns:ds="http://schemas.openxmlformats.org/officeDocument/2006/customXml" ds:itemID="{A889211B-83C6-4402-A3E8-D42D8A47B471}">
+  <ds:schemaRefs>
+    <ds:schemaRef ds:uri="http://schemas.microsoft.com/sharepoint/v3/contenttype/forms"/>
+  </ds:schemaRefs>
+</ds:datastoreItem>
+</file>
+
+<file path=customXml/itemProps3.xml><?xml version="1.0" encoding="utf-8"?>
+<ds:datastoreItem xmlns:ds="http://schemas.openxmlformats.org/officeDocument/2006/customXml" ds:itemID="{AB63E921-2D6C-4579-9894-621D579FF94B}">
+  <ds:schemaRefs>
+    <ds:schemaRef ds:uri="http://schemas.microsoft.com/office/2006/metadata/properties"/>
+    <ds:schemaRef ds:uri="http://schemas.microsoft.com/office/infopath/2007/PartnerControls"/>
+    <ds:schemaRef ds:uri="f659a008-7c21-4ee3-a745-e38581e13101"/>
+    <ds:schemaRef ds:uri="http://purl.org/dc/terms/"/>
+    <ds:schemaRef ds:uri="http://purl.org/dc/elements/1.1/"/>
+    <ds:schemaRef ds:uri="http://schemas.microsoft.com/office/2006/documentManagement/types"/>
+    <ds:schemaRef ds:uri="http://schemas.openxmlformats.org/package/2006/metadata/core-properties"/>
+    <ds:schemaRef ds:uri="e064323b-8959-406a-a3e9-bb6e93638192"/>
+    <ds:schemaRef ds:uri="http://www.w3.org/XML/1998/namespace"/>
+    <ds:schemaRef ds:uri="http://purl.org/dc/dcmitype/"/>
+  </ds:schemaRefs>
+</ds:datastoreItem>
 </file>
--- a/web/b24/1 Bachelor Contract .pptx
+++ b/web/b24/1 Bachelor Contract .pptx
@@ -7850,7 +7850,7 @@
         <p:spPr>
           <a:xfrm>
             <a:off x="540321" y="1049823"/>
-            <a:ext cx="8424167" cy="5691545"/>
+            <a:ext cx="8424167" cy="5115481"/>
           </a:xfrm>
           <a:noFill/>
         </p:spPr>
@@ -7976,7 +7976,11 @@
             </a:r>
             <a:r>
               <a:rPr lang="en-GB" altLang="da-DK" sz="1600" dirty="0" smtClean="0"/>
-              <a:t>an text (</a:t>
+              <a:t>a </a:t>
+            </a:r>
+            <a:r>
+              <a:rPr lang="en-GB" altLang="da-DK" sz="1600" dirty="0" smtClean="0"/>
+              <a:t>text (</a:t>
             </a:r>
             <a:r>
               <a:rPr lang="en-GB" altLang="da-DK" sz="1600" dirty="0" err="1" smtClean="0"/>
@@ -9264,7 +9268,16 @@
                 </a:solidFill>
                 <a:cs typeface="ＭＳ Ｐゴシック" charset="0"/>
               </a:rPr>
-              <a:t>Thursday </a:t>
+              <a:t>Thursday February </a:t>
+            </a:r>
+            <a:r>
+              <a:rPr lang="en-GB" altLang="da-DK" sz="1800" b="1" spc="-50" dirty="0" smtClean="0">
+                <a:solidFill>
+                  <a:srgbClr val="A50021"/>
+                </a:solidFill>
+                <a:cs typeface="ＭＳ Ｐゴシック" charset="0"/>
+              </a:rPr>
+              <a:t>12 at 16.00: </a:t>
             </a:r>
             <a:r>
               <a:rPr lang="en-GB" altLang="da-DK" sz="1800" b="1" spc="-50" dirty="0">
@@ -9273,23 +9286,8 @@
                 </a:solidFill>
                 <a:cs typeface="ＭＳ Ｐゴシック" charset="0"/>
               </a:rPr>
-              <a:t>February </a:t>
-            </a:r>
-            <a:r>
-              <a:rPr lang="en-GB" altLang="da-DK" sz="1800" b="1" spc="-50" dirty="0">
-                <a:solidFill>
-                  <a:srgbClr val="A50021"/>
-                </a:solidFill>
-                <a:cs typeface="ＭＳ Ｐゴシック" charset="0"/>
-              </a:rPr>
-              <a:t>12: Deadline bachelor project contract</a:t>
-            </a:r>
-            <a:endParaRPr lang="en-GB" altLang="da-DK" sz="1800" b="1" spc="-50" dirty="0">
-              <a:solidFill>
-                <a:srgbClr val="A50021"/>
-              </a:solidFill>
-              <a:cs typeface="ＭＳ Ｐゴシック" charset="0"/>
-            </a:endParaRPr>
+              <a:t>Deadline bachelor project contract</a:t>
+            </a:r>
           </a:p>
           <a:p>
             <a:pPr marL="728663" lvl="1" indent="-271463">
@@ -10198,7 +10196,25 @@
                 </a:solidFill>
                 <a:cs typeface="ＭＳ Ｐゴシック" charset="0"/>
               </a:rPr>
-              <a:t>to 16.00 representatives from each research groups will meet with their students to make practical arrangements etc. </a:t>
+              <a:t>to </a:t>
+            </a:r>
+            <a:r>
+              <a:rPr lang="en-US" sz="1800" b="1" dirty="0" smtClean="0">
+                <a:solidFill>
+                  <a:srgbClr val="A50021"/>
+                </a:solidFill>
+                <a:cs typeface="ＭＳ Ｐゴシック" charset="0"/>
+              </a:rPr>
+              <a:t>10.00</a:t>
+            </a:r>
+            <a:r>
+              <a:rPr lang="en-US" sz="1800" b="1" dirty="0">
+                <a:solidFill>
+                  <a:srgbClr val="A50021"/>
+                </a:solidFill>
+                <a:cs typeface="ＭＳ Ｐゴシック" charset="0"/>
+              </a:rPr>
+              <a:t> representatives from each research groups will meet with their students to make practical arrangements etc. </a:t>
             </a:r>
           </a:p>
           <a:p>
@@ -10381,13 +10397,8 @@
             </a:pPr>
             <a:r>
               <a:rPr lang="en-US" sz="1600" b="1" dirty="0"/>
-              <a:t>Logic and Semantics &amp; Programming Languages: </a:t>
-            </a:r>
-            <a:r>
-              <a:rPr lang="en-US" sz="1600" b="1" dirty="0"/>
-              <a:t>5342-333 Ada Meeting Room</a:t>
-            </a:r>
-            <a:endParaRPr lang="en-US" sz="1600" b="1" dirty="0"/>
+              <a:t>Logic and Semantics &amp; Programming Languages: 5342-333 Ada Meeting Room</a:t>
+            </a:r>
           </a:p>
           <a:p>
             <a:pPr marL="728663" lvl="1" indent="-271463">
@@ -11773,7 +11784,15 @@
                   <a:srgbClr val="008000"/>
                 </a:solidFill>
               </a:rPr>
-              <a:t>Monday 12 </a:t>
+              <a:t>Monday </a:t>
+            </a:r>
+            <a:r>
+              <a:rPr lang="en-GB" altLang="da-DK" sz="1600" b="1" dirty="0" smtClean="0">
+                <a:solidFill>
+                  <a:srgbClr val="008000"/>
+                </a:solidFill>
+              </a:rPr>
+              <a:t>February 12 </a:t>
             </a:r>
             <a:r>
               <a:rPr lang="en-GB" altLang="da-DK" sz="1600" b="1" dirty="0" smtClean="0">
@@ -11842,11 +11861,7 @@
             </a:r>
             <a:r>
               <a:rPr lang="en-US" altLang="da-DK" sz="1600" dirty="0" smtClean="0"/>
-              <a:t>this </a:t>
-            </a:r>
-            <a:r>
-              <a:rPr lang="en-US" altLang="da-DK" sz="1600" dirty="0" smtClean="0"/>
-              <a:t>lecture</a:t>
+              <a:t>this lecture</a:t>
             </a:r>
           </a:p>
           <a:p>
@@ -15161,6 +15176,23 @@
 </file>
 
 <file path=customXml/item1.xml><?xml version="1.0" encoding="utf-8"?>
+<p:properties xmlns:p="http://schemas.microsoft.com/office/2006/metadata/properties" xmlns:xsi="http://www.w3.org/2001/XMLSchema-instance" xmlns:pc="http://schemas.microsoft.com/office/infopath/2007/PartnerControls">
+  <documentManagement>
+    <_activity xmlns="f659a008-7c21-4ee3-a745-e38581e13101" xsi:nil="true"/>
+  </documentManagement>
+</p:properties>
+</file>
+
+<file path=customXml/item2.xml><?xml version="1.0" encoding="utf-8"?>
+<?mso-contentType ?>
+<FormTemplates xmlns="http://schemas.microsoft.com/sharepoint/v3/contenttype/forms">
+  <Display>DocumentLibraryForm</Display>
+  <Edit>DocumentLibraryForm</Edit>
+  <New>DocumentLibraryForm</New>
+</FormTemplates>
+</file>
+
+<file path=customXml/item3.xml><?xml version="1.0" encoding="utf-8"?>
 <ct:contentTypeSchema xmlns:ct="http://schemas.microsoft.com/office/2006/metadata/contentType" xmlns:ma="http://schemas.microsoft.com/office/2006/metadata/properties/metaAttributes" ct:_="" ma:_="" ma:contentTypeName="Dokument" ma:contentTypeID="0x01010056836BC33D1E5846BD77C269C61838DB" ma:contentTypeVersion="15" ma:contentTypeDescription="Opret et nyt dokument." ma:contentTypeScope="" ma:versionID="312142c121a79ad47b84fd5eef3bff82">
   <xsd:schema xmlns:xsd="http://www.w3.org/2001/XMLSchema" xmlns:xs="http://www.w3.org/2001/XMLSchema" xmlns:p="http://schemas.microsoft.com/office/2006/metadata/properties" xmlns:ns3="f659a008-7c21-4ee3-a745-e38581e13101" xmlns:ns4="e064323b-8959-406a-a3e9-bb6e93638192" targetNamespace="http://schemas.microsoft.com/office/2006/metadata/properties" ma:root="true" ma:fieldsID="d8b41bb9140ab12135cf079bb511cb4a" ns3:_="" ns4:_="">
     <xsd:import namespace="f659a008-7c21-4ee3-a745-e38581e13101"/>
@@ -15393,24 +15425,32 @@
 </ct:contentTypeSchema>
 </file>
 
-<file path=customXml/item2.xml><?xml version="1.0" encoding="utf-8"?>
-<?mso-contentType ?>
-<FormTemplates xmlns="http://schemas.microsoft.com/sharepoint/v3/contenttype/forms">
-  <Display>DocumentLibraryForm</Display>
-  <Edit>DocumentLibraryForm</Edit>
-  <New>DocumentLibraryForm</New>
-</FormTemplates>
+<file path=customXml/itemProps1.xml><?xml version="1.0" encoding="utf-8"?>
+<ds:datastoreItem xmlns:ds="http://schemas.openxmlformats.org/officeDocument/2006/customXml" ds:itemID="{AB63E921-2D6C-4579-9894-621D579FF94B}">
+  <ds:schemaRefs>
+    <ds:schemaRef ds:uri="http://schemas.microsoft.com/office/2006/documentManagement/types"/>
+    <ds:schemaRef ds:uri="http://purl.org/dc/terms/"/>
+    <ds:schemaRef ds:uri="http://schemas.microsoft.com/office/2006/metadata/properties"/>
+    <ds:schemaRef ds:uri="http://purl.org/dc/dcmitype/"/>
+    <ds:schemaRef ds:uri="http://www.w3.org/XML/1998/namespace"/>
+    <ds:schemaRef ds:uri="http://schemas.microsoft.com/office/infopath/2007/PartnerControls"/>
+    <ds:schemaRef ds:uri="http://schemas.openxmlformats.org/package/2006/metadata/core-properties"/>
+    <ds:schemaRef ds:uri="e064323b-8959-406a-a3e9-bb6e93638192"/>
+    <ds:schemaRef ds:uri="f659a008-7c21-4ee3-a745-e38581e13101"/>
+    <ds:schemaRef ds:uri="http://purl.org/dc/elements/1.1/"/>
+  </ds:schemaRefs>
+</ds:datastoreItem>
 </file>
 
-<file path=customXml/item3.xml><?xml version="1.0" encoding="utf-8"?>
-<p:properties xmlns:p="http://schemas.microsoft.com/office/2006/metadata/properties" xmlns:xsi="http://www.w3.org/2001/XMLSchema-instance" xmlns:pc="http://schemas.microsoft.com/office/infopath/2007/PartnerControls">
-  <documentManagement>
-    <_activity xmlns="f659a008-7c21-4ee3-a745-e38581e13101" xsi:nil="true"/>
-  </documentManagement>
-</p:properties>
+<file path=customXml/itemProps2.xml><?xml version="1.0" encoding="utf-8"?>
+<ds:datastoreItem xmlns:ds="http://schemas.openxmlformats.org/officeDocument/2006/customXml" ds:itemID="{A889211B-83C6-4402-A3E8-D42D8A47B471}">
+  <ds:schemaRefs>
+    <ds:schemaRef ds:uri="http://schemas.microsoft.com/sharepoint/v3/contenttype/forms"/>
+  </ds:schemaRefs>
+</ds:datastoreItem>
 </file>
 
-<file path=customXml/itemProps1.xml><?xml version="1.0" encoding="utf-8"?>
+<file path=customXml/itemProps3.xml><?xml version="1.0" encoding="utf-8"?>
 <ds:datastoreItem xmlns:ds="http://schemas.openxmlformats.org/officeDocument/2006/customXml" ds:itemID="{5FA69414-AA72-43CB-94FC-7891685FAB17}">
   <ds:schemaRefs>
     <ds:schemaRef ds:uri="http://schemas.microsoft.com/office/2006/metadata/contentType"/>
@@ -15427,29 +15467,4 @@
     <ds:schemaRef ds:uri="http://schemas.microsoft.com/internal/obd"/>
   </ds:schemaRefs>
 </ds:datastoreItem>
-</file>
-
-<file path=customXml/itemProps2.xml><?xml version="1.0" encoding="utf-8"?>
-<ds:datastoreItem xmlns:ds="http://schemas.openxmlformats.org/officeDocument/2006/customXml" ds:itemID="{A889211B-83C6-4402-A3E8-D42D8A47B471}">
-  <ds:schemaRefs>
-    <ds:schemaRef ds:uri="http://schemas.microsoft.com/sharepoint/v3/contenttype/forms"/>
-  </ds:schemaRefs>
-</ds:datastoreItem>
-</file>
-
-<file path=customXml/itemProps3.xml><?xml version="1.0" encoding="utf-8"?>
-<ds:datastoreItem xmlns:ds="http://schemas.openxmlformats.org/officeDocument/2006/customXml" ds:itemID="{AB63E921-2D6C-4579-9894-621D579FF94B}">
-  <ds:schemaRefs>
-    <ds:schemaRef ds:uri="http://schemas.microsoft.com/office/2006/metadata/properties"/>
-    <ds:schemaRef ds:uri="http://schemas.microsoft.com/office/infopath/2007/PartnerControls"/>
-    <ds:schemaRef ds:uri="f659a008-7c21-4ee3-a745-e38581e13101"/>
-    <ds:schemaRef ds:uri="http://purl.org/dc/terms/"/>
-    <ds:schemaRef ds:uri="http://purl.org/dc/elements/1.1/"/>
-    <ds:schemaRef ds:uri="http://schemas.microsoft.com/office/2006/documentManagement/types"/>
-    <ds:schemaRef ds:uri="http://schemas.openxmlformats.org/package/2006/metadata/core-properties"/>
-    <ds:schemaRef ds:uri="e064323b-8959-406a-a3e9-bb6e93638192"/>
-    <ds:schemaRef ds:uri="http://www.w3.org/XML/1998/namespace"/>
-    <ds:schemaRef ds:uri="http://purl.org/dc/dcmitype/"/>
-  </ds:schemaRefs>
-</ds:datastoreItem>
 </file>
--- a/web/b24/1 Bachelor Contract .pptx
+++ b/web/b24/1 Bachelor Contract .pptx
@@ -7976,11 +7976,7 @@
             </a:r>
             <a:r>
               <a:rPr lang="en-GB" altLang="da-DK" sz="1600" dirty="0" smtClean="0"/>
-              <a:t>a </a:t>
-            </a:r>
-            <a:r>
-              <a:rPr lang="en-GB" altLang="da-DK" sz="1600" dirty="0" smtClean="0"/>
-              <a:t>text (</a:t>
+              <a:t>a text (</a:t>
             </a:r>
             <a:r>
               <a:rPr lang="en-GB" altLang="da-DK" sz="1600" dirty="0" err="1" smtClean="0"/>
@@ -10245,119 +10241,15 @@
             </a:pPr>
             <a:r>
               <a:rPr lang="en-US" sz="1600" b="1" dirty="0"/>
-              <a:t>Bioinformatics: 1872-381 (ligger </a:t>
-            </a:r>
-            <a:r>
-              <a:rPr lang="en-US" sz="1600" b="1" dirty="0" err="1"/>
-              <a:t>i</a:t>
-            </a:r>
-            <a:r>
-              <a:rPr lang="en-US" sz="1600" b="1" dirty="0"/>
-              <a:t> </a:t>
-            </a:r>
-            <a:r>
-              <a:rPr lang="en-US" sz="1600" b="1" dirty="0" err="1"/>
-              <a:t>Universitetsbyen</a:t>
-            </a:r>
-            <a:r>
-              <a:rPr lang="en-US" sz="1600" b="1" dirty="0"/>
-              <a:t> = </a:t>
-            </a:r>
-            <a:r>
-              <a:rPr lang="en-US" sz="1600" b="1" dirty="0" err="1"/>
-              <a:t>Gamle</a:t>
-            </a:r>
-            <a:r>
-              <a:rPr lang="en-US" sz="1600" b="1" dirty="0"/>
-              <a:t> </a:t>
-            </a:r>
-            <a:r>
-              <a:rPr lang="en-US" sz="1600" b="1" dirty="0" err="1"/>
-              <a:t>Kommunehospital</a:t>
-            </a:r>
-            <a:r>
-              <a:rPr lang="en-US" sz="1600" b="1" dirty="0" smtClean="0"/>
-              <a:t>)</a:t>
-            </a:r>
-            <a:endParaRPr lang="en-US" sz="1600" b="1" dirty="0"/>
-          </a:p>
-          <a:p>
-            <a:pPr marL="728663" lvl="1" indent="-271463">
-              <a:spcBef>
-                <a:spcPts val="900"/>
-              </a:spcBef>
-            </a:pPr>
-            <a:r>
-              <a:rPr lang="en-US" sz="1600" b="1" dirty="0"/>
-              <a:t>Collaboration and Computer-Human Interaction: 5365 </a:t>
-            </a:r>
-            <a:r>
-              <a:rPr lang="en-US" sz="1600" b="1" dirty="0" smtClean="0"/>
-              <a:t>Stibitz</a:t>
-            </a:r>
-            <a:endParaRPr lang="en-US" sz="1600" b="1" dirty="0"/>
-          </a:p>
-          <a:p>
-            <a:pPr marL="728663" lvl="1" indent="-271463">
-              <a:spcBef>
-                <a:spcPts val="900"/>
-              </a:spcBef>
-            </a:pPr>
-            <a:r>
-              <a:rPr lang="en-US" sz="1600" b="1" dirty="0"/>
-              <a:t>Computational Complexity and Game Theory: </a:t>
-            </a:r>
-            <a:r>
-              <a:rPr lang="en-US" sz="1600" b="1" dirty="0" smtClean="0"/>
-              <a:t>5335-297 </a:t>
-            </a:r>
-            <a:r>
-              <a:rPr lang="en-US" sz="1600" b="1" dirty="0"/>
-              <a:t>Nygaard Meeting </a:t>
-            </a:r>
-            <a:r>
-              <a:rPr lang="en-US" sz="1600" b="1" dirty="0" smtClean="0"/>
-              <a:t>Room</a:t>
-            </a:r>
-            <a:endParaRPr lang="en-US" sz="1600" b="1" dirty="0"/>
-          </a:p>
-          <a:p>
-            <a:pPr marL="728663" lvl="1" indent="-271463">
-              <a:spcBef>
-                <a:spcPts val="900"/>
-              </a:spcBef>
-            </a:pPr>
-            <a:r>
-              <a:rPr lang="en-US" sz="1600" b="1" dirty="0">
+              <a:t>Bioinformatics: </a:t>
+            </a:r>
+            <a:r>
+              <a:rPr lang="en-US" sz="1600" b="1" dirty="0" smtClean="0">
                 <a:solidFill>
                   <a:srgbClr val="008000"/>
                 </a:solidFill>
               </a:rPr>
-              <a:t>Cryptography and Security: Time and place </a:t>
-            </a:r>
-            <a:r>
-              <a:rPr lang="en-US" sz="1600" b="1" dirty="0" smtClean="0">
-                <a:solidFill>
-                  <a:srgbClr val="008000"/>
-                </a:solidFill>
-              </a:rPr>
-              <a:t>are announced </a:t>
-            </a:r>
-            <a:r>
-              <a:rPr lang="en-US" sz="1600" b="1" dirty="0">
-                <a:solidFill>
-                  <a:srgbClr val="008000"/>
-                </a:solidFill>
-              </a:rPr>
-              <a:t>by the individual </a:t>
-            </a:r>
-            <a:r>
-              <a:rPr lang="en-US" sz="1600" b="1" dirty="0" smtClean="0">
-                <a:solidFill>
-                  <a:srgbClr val="008000"/>
-                </a:solidFill>
-              </a:rPr>
-              <a:t>advisors</a:t>
+              <a:t>Meeting on February 2</a:t>
             </a:r>
             <a:endParaRPr lang="en-US" sz="1600" b="1" dirty="0">
               <a:solidFill>
@@ -10373,6 +10265,74 @@
             </a:pPr>
             <a:r>
               <a:rPr lang="en-US" sz="1600" b="1" dirty="0"/>
+              <a:t>Collaboration and Computer-Human Interaction: 5365 </a:t>
+            </a:r>
+            <a:r>
+              <a:rPr lang="en-US" sz="1600" b="1" dirty="0" smtClean="0"/>
+              <a:t>Stibitz-1</a:t>
+            </a:r>
+            <a:endParaRPr lang="en-US" sz="1600" b="1" dirty="0"/>
+          </a:p>
+          <a:p>
+            <a:pPr marL="728663" lvl="1" indent="-271463">
+              <a:spcBef>
+                <a:spcPts val="900"/>
+              </a:spcBef>
+            </a:pPr>
+            <a:r>
+              <a:rPr lang="en-US" sz="1600" b="1" dirty="0"/>
+              <a:t>Computational Complexity and Game Theory: </a:t>
+            </a:r>
+            <a:r>
+              <a:rPr lang="en-US" sz="1600" b="1" dirty="0" smtClean="0"/>
+              <a:t>5335-297 </a:t>
+            </a:r>
+            <a:r>
+              <a:rPr lang="en-US" sz="1600" b="1" dirty="0"/>
+              <a:t>Nygaard Meeting </a:t>
+            </a:r>
+            <a:r>
+              <a:rPr lang="en-US" sz="1600" b="1" dirty="0" smtClean="0"/>
+              <a:t>Room</a:t>
+            </a:r>
+            <a:endParaRPr lang="en-US" sz="1600" b="1" dirty="0"/>
+          </a:p>
+          <a:p>
+            <a:pPr marL="728663" lvl="1" indent="-271463">
+              <a:spcBef>
+                <a:spcPts val="900"/>
+              </a:spcBef>
+            </a:pPr>
+            <a:r>
+              <a:rPr lang="en-US" sz="1600" b="1" dirty="0">
+                <a:solidFill>
+                  <a:srgbClr val="008000"/>
+                </a:solidFill>
+              </a:rPr>
+              <a:t>Cryptography and Security</a:t>
+            </a:r>
+            <a:r>
+              <a:rPr lang="en-US" sz="1600" b="1" dirty="0" smtClean="0">
+                <a:solidFill>
+                  <a:srgbClr val="008000"/>
+                </a:solidFill>
+              </a:rPr>
+              <a:t>: No meeting</a:t>
+            </a:r>
+            <a:endParaRPr lang="en-US" sz="1600" b="1" dirty="0">
+              <a:solidFill>
+                <a:srgbClr val="008000"/>
+              </a:solidFill>
+            </a:endParaRPr>
+          </a:p>
+          <a:p>
+            <a:pPr marL="728663" lvl="1" indent="-271463">
+              <a:spcBef>
+                <a:spcPts val="900"/>
+              </a:spcBef>
+            </a:pPr>
+            <a:r>
+              <a:rPr lang="en-US" sz="1600" b="1" dirty="0"/>
               <a:t>Data-Intensive Systems: </a:t>
             </a:r>
             <a:r>
@@ -10412,7 +10372,7 @@
             </a:r>
             <a:r>
               <a:rPr lang="en-US" sz="1600" b="1" dirty="0" smtClean="0"/>
-              <a:t>Stibitz </a:t>
+              <a:t>Stibitz-1 </a:t>
             </a:r>
             <a:endParaRPr lang="en-US" sz="1600" b="1" dirty="0"/>
           </a:p>
@@ -11784,23 +11744,7 @@
                   <a:srgbClr val="008000"/>
                 </a:solidFill>
               </a:rPr>
-              <a:t>Monday </a:t>
-            </a:r>
-            <a:r>
-              <a:rPr lang="en-GB" altLang="da-DK" sz="1600" b="1" dirty="0" smtClean="0">
-                <a:solidFill>
-                  <a:srgbClr val="008000"/>
-                </a:solidFill>
-              </a:rPr>
-              <a:t>February 12 </a:t>
-            </a:r>
-            <a:r>
-              <a:rPr lang="en-GB" altLang="da-DK" sz="1600" b="1" dirty="0" smtClean="0">
-                <a:solidFill>
-                  <a:srgbClr val="008000"/>
-                </a:solidFill>
-              </a:rPr>
-              <a:t>at 16.00</a:t>
+              <a:t>Monday February 12 at 16.00</a:t>
             </a:r>
           </a:p>
           <a:p>
@@ -15176,23 +15120,6 @@
 </file>
 
 <file path=customXml/item1.xml><?xml version="1.0" encoding="utf-8"?>
-<p:properties xmlns:p="http://schemas.microsoft.com/office/2006/metadata/properties" xmlns:xsi="http://www.w3.org/2001/XMLSchema-instance" xmlns:pc="http://schemas.microsoft.com/office/infopath/2007/PartnerControls">
-  <documentManagement>
-    <_activity xmlns="f659a008-7c21-4ee3-a745-e38581e13101" xsi:nil="true"/>
-  </documentManagement>
-</p:properties>
-</file>
-
-<file path=customXml/item2.xml><?xml version="1.0" encoding="utf-8"?>
-<?mso-contentType ?>
-<FormTemplates xmlns="http://schemas.microsoft.com/sharepoint/v3/contenttype/forms">
-  <Display>DocumentLibraryForm</Display>
-  <Edit>DocumentLibraryForm</Edit>
-  <New>DocumentLibraryForm</New>
-</FormTemplates>
-</file>
-
-<file path=customXml/item3.xml><?xml version="1.0" encoding="utf-8"?>
 <ct:contentTypeSchema xmlns:ct="http://schemas.microsoft.com/office/2006/metadata/contentType" xmlns:ma="http://schemas.microsoft.com/office/2006/metadata/properties/metaAttributes" ct:_="" ma:_="" ma:contentTypeName="Dokument" ma:contentTypeID="0x01010056836BC33D1E5846BD77C269C61838DB" ma:contentTypeVersion="15" ma:contentTypeDescription="Opret et nyt dokument." ma:contentTypeScope="" ma:versionID="312142c121a79ad47b84fd5eef3bff82">
   <xsd:schema xmlns:xsd="http://www.w3.org/2001/XMLSchema" xmlns:xs="http://www.w3.org/2001/XMLSchema" xmlns:p="http://schemas.microsoft.com/office/2006/metadata/properties" xmlns:ns3="f659a008-7c21-4ee3-a745-e38581e13101" xmlns:ns4="e064323b-8959-406a-a3e9-bb6e93638192" targetNamespace="http://schemas.microsoft.com/office/2006/metadata/properties" ma:root="true" ma:fieldsID="d8b41bb9140ab12135cf079bb511cb4a" ns3:_="" ns4:_="">
     <xsd:import namespace="f659a008-7c21-4ee3-a745-e38581e13101"/>
@@ -15425,32 +15352,24 @@
 </ct:contentTypeSchema>
 </file>
 
-<file path=customXml/itemProps1.xml><?xml version="1.0" encoding="utf-8"?>
-<ds:datastoreItem xmlns:ds="http://schemas.openxmlformats.org/officeDocument/2006/customXml" ds:itemID="{AB63E921-2D6C-4579-9894-621D579FF94B}">
-  <ds:schemaRefs>
-    <ds:schemaRef ds:uri="http://schemas.microsoft.com/office/2006/documentManagement/types"/>
-    <ds:schemaRef ds:uri="http://purl.org/dc/terms/"/>
-    <ds:schemaRef ds:uri="http://schemas.microsoft.com/office/2006/metadata/properties"/>
-    <ds:schemaRef ds:uri="http://purl.org/dc/dcmitype/"/>
-    <ds:schemaRef ds:uri="http://www.w3.org/XML/1998/namespace"/>
-    <ds:schemaRef ds:uri="http://schemas.microsoft.com/office/infopath/2007/PartnerControls"/>
-    <ds:schemaRef ds:uri="http://schemas.openxmlformats.org/package/2006/metadata/core-properties"/>
-    <ds:schemaRef ds:uri="e064323b-8959-406a-a3e9-bb6e93638192"/>
-    <ds:schemaRef ds:uri="f659a008-7c21-4ee3-a745-e38581e13101"/>
-    <ds:schemaRef ds:uri="http://purl.org/dc/elements/1.1/"/>
-  </ds:schemaRefs>
-</ds:datastoreItem>
+<file path=customXml/item2.xml><?xml version="1.0" encoding="utf-8"?>
+<?mso-contentType ?>
+<FormTemplates xmlns="http://schemas.microsoft.com/sharepoint/v3/contenttype/forms">
+  <Display>DocumentLibraryForm</Display>
+  <Edit>DocumentLibraryForm</Edit>
+  <New>DocumentLibraryForm</New>
+</FormTemplates>
 </file>
 
-<file path=customXml/itemProps2.xml><?xml version="1.0" encoding="utf-8"?>
-<ds:datastoreItem xmlns:ds="http://schemas.openxmlformats.org/officeDocument/2006/customXml" ds:itemID="{A889211B-83C6-4402-A3E8-D42D8A47B471}">
-  <ds:schemaRefs>
-    <ds:schemaRef ds:uri="http://schemas.microsoft.com/sharepoint/v3/contenttype/forms"/>
-  </ds:schemaRefs>
-</ds:datastoreItem>
+<file path=customXml/item3.xml><?xml version="1.0" encoding="utf-8"?>
+<p:properties xmlns:p="http://schemas.microsoft.com/office/2006/metadata/properties" xmlns:xsi="http://www.w3.org/2001/XMLSchema-instance" xmlns:pc="http://schemas.microsoft.com/office/infopath/2007/PartnerControls">
+  <documentManagement>
+    <_activity xmlns="f659a008-7c21-4ee3-a745-e38581e13101" xsi:nil="true"/>
+  </documentManagement>
+</p:properties>
 </file>
 
-<file path=customXml/itemProps3.xml><?xml version="1.0" encoding="utf-8"?>
+<file path=customXml/itemProps1.xml><?xml version="1.0" encoding="utf-8"?>
 <ds:datastoreItem xmlns:ds="http://schemas.openxmlformats.org/officeDocument/2006/customXml" ds:itemID="{5FA69414-AA72-43CB-94FC-7891685FAB17}">
   <ds:schemaRefs>
     <ds:schemaRef ds:uri="http://schemas.microsoft.com/office/2006/metadata/contentType"/>
@@ -15467,4 +15386,29 @@
     <ds:schemaRef ds:uri="http://schemas.microsoft.com/internal/obd"/>
   </ds:schemaRefs>
 </ds:datastoreItem>
+</file>
+
+<file path=customXml/itemProps2.xml><?xml version="1.0" encoding="utf-8"?>
+<ds:datastoreItem xmlns:ds="http://schemas.openxmlformats.org/officeDocument/2006/customXml" ds:itemID="{A889211B-83C6-4402-A3E8-D42D8A47B471}">
+  <ds:schemaRefs>
+    <ds:schemaRef ds:uri="http://schemas.microsoft.com/sharepoint/v3/contenttype/forms"/>
+  </ds:schemaRefs>
+</ds:datastoreItem>
+</file>
+
+<file path=customXml/itemProps3.xml><?xml version="1.0" encoding="utf-8"?>
+<ds:datastoreItem xmlns:ds="http://schemas.openxmlformats.org/officeDocument/2006/customXml" ds:itemID="{AB63E921-2D6C-4579-9894-621D579FF94B}">
+  <ds:schemaRefs>
+    <ds:schemaRef ds:uri="http://schemas.microsoft.com/office/2006/metadata/properties"/>
+    <ds:schemaRef ds:uri="http://schemas.microsoft.com/office/2006/documentManagement/types"/>
+    <ds:schemaRef ds:uri="http://purl.org/dc/terms/"/>
+    <ds:schemaRef ds:uri="http://purl.org/dc/elements/1.1/"/>
+    <ds:schemaRef ds:uri="http://schemas.openxmlformats.org/package/2006/metadata/core-properties"/>
+    <ds:schemaRef ds:uri="http://www.w3.org/XML/1998/namespace"/>
+    <ds:schemaRef ds:uri="http://purl.org/dc/dcmitype/"/>
+    <ds:schemaRef ds:uri="http://schemas.microsoft.com/office/infopath/2007/PartnerControls"/>
+    <ds:schemaRef ds:uri="e064323b-8959-406a-a3e9-bb6e93638192"/>
+    <ds:schemaRef ds:uri="f659a008-7c21-4ee3-a745-e38581e13101"/>
+  </ds:schemaRefs>
+</ds:datastoreItem>
 </file>
--- a/web/b24/1 Bachelor Contract .pptx
+++ b/web/b24/1 Bachelor Contract .pptx
@@ -9258,13 +9258,22 @@
               <a:buChar char="•"/>
             </a:pPr>
             <a:r>
+              <a:rPr lang="en-GB" altLang="da-DK" sz="1800" b="1" spc="-50" dirty="0" smtClean="0">
+                <a:solidFill>
+                  <a:srgbClr val="A50021"/>
+                </a:solidFill>
+                <a:cs typeface="ＭＳ Ｐゴシック" charset="0"/>
+              </a:rPr>
+              <a:t>Monday </a:t>
+            </a:r>
+            <a:r>
               <a:rPr lang="en-GB" altLang="da-DK" sz="1800" b="1" spc="-50" dirty="0">
                 <a:solidFill>
                   <a:srgbClr val="A50021"/>
                 </a:solidFill>
                 <a:cs typeface="ＭＳ Ｐゴシック" charset="0"/>
               </a:rPr>
-              <a:t>Thursday February </a:t>
+              <a:t>February </a:t>
             </a:r>
             <a:r>
               <a:rPr lang="en-GB" altLang="da-DK" sz="1800" b="1" spc="-50" dirty="0" smtClean="0">
@@ -11290,7 +11299,7 @@
                 </a:solidFill>
                 <a:cs typeface="ＭＳ Ｐゴシック" charset="0"/>
               </a:rPr>
-              <a:t>It is soon time to </a:t>
+              <a:t>It is time to </a:t>
             </a:r>
             <a:r>
               <a:rPr lang="en-GB" altLang="da-DK" sz="1800" b="1" dirty="0">
@@ -15399,16 +15408,16 @@
 <file path=customXml/itemProps3.xml><?xml version="1.0" encoding="utf-8"?>
 <ds:datastoreItem xmlns:ds="http://schemas.openxmlformats.org/officeDocument/2006/customXml" ds:itemID="{AB63E921-2D6C-4579-9894-621D579FF94B}">
   <ds:schemaRefs>
+    <ds:schemaRef ds:uri="http://schemas.openxmlformats.org/package/2006/metadata/core-properties"/>
+    <ds:schemaRef ds:uri="f659a008-7c21-4ee3-a745-e38581e13101"/>
     <ds:schemaRef ds:uri="http://schemas.microsoft.com/office/2006/metadata/properties"/>
+    <ds:schemaRef ds:uri="http://www.w3.org/XML/1998/namespace"/>
+    <ds:schemaRef ds:uri="http://purl.org/dc/elements/1.1/"/>
     <ds:schemaRef ds:uri="http://schemas.microsoft.com/office/2006/documentManagement/types"/>
-    <ds:schemaRef ds:uri="http://purl.org/dc/terms/"/>
-    <ds:schemaRef ds:uri="http://purl.org/dc/elements/1.1/"/>
-    <ds:schemaRef ds:uri="http://schemas.openxmlformats.org/package/2006/metadata/core-properties"/>
-    <ds:schemaRef ds:uri="http://www.w3.org/XML/1998/namespace"/>
-    <ds:schemaRef ds:uri="http://purl.org/dc/dcmitype/"/>
     <ds:schemaRef ds:uri="http://schemas.microsoft.com/office/infopath/2007/PartnerControls"/>
     <ds:schemaRef ds:uri="e064323b-8959-406a-a3e9-bb6e93638192"/>
-    <ds:schemaRef ds:uri="f659a008-7c21-4ee3-a745-e38581e13101"/>
+    <ds:schemaRef ds:uri="http://purl.org/dc/dcmitype/"/>
+    <ds:schemaRef ds:uri="http://purl.org/dc/terms/"/>
   </ds:schemaRefs>
 </ds:datastoreItem>
 </file>